--- a/Mini2.0.pptx
+++ b/Mini2.0.pptx
@@ -22,53 +22,56 @@
     <p:sldId id="262" r:id="rId15"/>
     <p:sldId id="322" r:id="rId16"/>
     <p:sldId id="323" r:id="rId17"/>
-    <p:sldId id="263" r:id="rId18"/>
-    <p:sldId id="314" r:id="rId19"/>
-    <p:sldId id="316" r:id="rId20"/>
+    <p:sldId id="327" r:id="rId18"/>
+    <p:sldId id="328" r:id="rId19"/>
+    <p:sldId id="331" r:id="rId20"/>
+    <p:sldId id="263" r:id="rId21"/>
+    <p:sldId id="314" r:id="rId22"/>
+    <p:sldId id="316" r:id="rId23"/>
   </p:sldIdLst>
   <p:sldSz cx="9144000" cy="5143500"/>
   <p:notesSz cx="6858000" cy="9144000"/>
   <p:embeddedFontLst>
     <p:embeddedFont>
       <p:font typeface="Roboto" charset="0"/>
-      <p:regular r:id="rId24"/>
-      <p:bold r:id="rId25"/>
-      <p:italic r:id="rId26"/>
-      <p:boldItalic r:id="rId27"/>
+      <p:regular r:id="rId27"/>
+      <p:bold r:id="rId28"/>
+      <p:italic r:id="rId29"/>
+      <p:boldItalic r:id="rId30"/>
     </p:embeddedFont>
     <p:embeddedFont>
       <p:font typeface="Proxima Nova" charset="0"/>
-      <p:regular r:id="rId28"/>
-      <p:bold r:id="rId29"/>
-      <p:italic r:id="rId30"/>
-      <p:boldItalic r:id="rId31"/>
+      <p:regular r:id="rId31"/>
+      <p:bold r:id="rId32"/>
+      <p:italic r:id="rId33"/>
+      <p:boldItalic r:id="rId34"/>
     </p:embeddedFont>
     <p:embeddedFont>
       <p:font typeface="Roboto Medium" charset="0"/>
-      <p:regular r:id="rId32"/>
-      <p:bold r:id="rId33"/>
-      <p:italic r:id="rId34"/>
-      <p:boldItalic r:id="rId35"/>
+      <p:regular r:id="rId35"/>
+      <p:bold r:id="rId36"/>
+      <p:italic r:id="rId37"/>
+      <p:boldItalic r:id="rId38"/>
     </p:embeddedFont>
     <p:embeddedFont>
       <p:font typeface="Amatic SC" charset="0"/>
-      <p:regular r:id="rId36"/>
-      <p:bold r:id="rId37"/>
+      <p:regular r:id="rId39"/>
+      <p:bold r:id="rId40"/>
     </p:embeddedFont>
     <p:embeddedFont>
       <p:font typeface="Didact Gothic" charset="0"/>
-      <p:regular r:id="rId38"/>
+      <p:regular r:id="rId41"/>
     </p:embeddedFont>
     <p:embeddedFont>
       <p:font typeface="Proxima Nova Semibold" charset="0"/>
-      <p:regular r:id="rId39"/>
-      <p:bold r:id="rId40"/>
-      <p:boldItalic r:id="rId41"/>
+      <p:regular r:id="rId42"/>
+      <p:bold r:id="rId43"/>
+      <p:boldItalic r:id="rId44"/>
     </p:embeddedFont>
     <p:embeddedFont>
       <p:font typeface="DM Serif Display" charset="0"/>
-      <p:regular r:id="rId42"/>
-      <p:italic r:id="rId43"/>
+      <p:regular r:id="rId45"/>
+      <p:italic r:id="rId46"/>
     </p:embeddedFont>
   </p:embeddedFontLst>
   <p:defaultTextStyle>
@@ -24491,8 +24494,8 @@
         </p:blipFill>
         <p:spPr>
           <a:xfrm>
-            <a:off x="3759835" y="1033780"/>
-            <a:ext cx="1847850" cy="4005580"/>
+            <a:off x="4395470" y="795655"/>
+            <a:ext cx="1969135" cy="4269740"/>
           </a:xfrm>
           <a:prstGeom prst="rect">
             <a:avLst/>
@@ -24515,8 +24518,8 @@
         </p:blipFill>
         <p:spPr>
           <a:xfrm>
-            <a:off x="6252845" y="1033780"/>
-            <a:ext cx="1838325" cy="3985260"/>
+            <a:off x="6854190" y="795655"/>
+            <a:ext cx="1969770" cy="4270375"/>
           </a:xfrm>
           <a:prstGeom prst="rect">
             <a:avLst/>
@@ -24531,8 +24534,8 @@
         </p:nvSpPr>
         <p:spPr>
           <a:xfrm>
-            <a:off x="417830" y="2146935"/>
-            <a:ext cx="2661920" cy="622935"/>
+            <a:off x="224790" y="2260600"/>
+            <a:ext cx="3341370" cy="622935"/>
           </a:xfrm>
           <a:prstGeom prst="rect">
             <a:avLst/>
@@ -24804,14 +24807,38 @@
               <a:buNone/>
             </a:pPr>
             <a:r>
-              <a:rPr lang="en-US" altLang="en-GB" sz="2800">
+              <a:rPr lang="en-US" altLang="en-GB" sz="2400">
                 <a:solidFill>
                   <a:schemeClr val="accent2"/>
                 </a:solidFill>
               </a:rPr>
               <a:t>Login Pages</a:t>
             </a:r>
-            <a:endParaRPr lang="en-US" altLang="en-GB" sz="2800">
+            <a:endParaRPr lang="en-US" altLang="en-GB" sz="2400">
+              <a:solidFill>
+                <a:schemeClr val="accent2"/>
+              </a:solidFill>
+            </a:endParaRPr>
+          </a:p>
+          <a:p>
+            <a:pPr marL="0" lvl="0" indent="0" algn="ctr" rtl="0">
+              <a:spcBef>
+                <a:spcPts val="0"/>
+              </a:spcBef>
+              <a:spcAft>
+                <a:spcPts val="0"/>
+              </a:spcAft>
+              <a:buNone/>
+            </a:pPr>
+            <a:r>
+              <a:rPr lang="en-US" altLang="en-GB" sz="2400">
+                <a:solidFill>
+                  <a:schemeClr val="accent2"/>
+                </a:solidFill>
+              </a:rPr>
+              <a:t>of User and Admin</a:t>
+            </a:r>
+            <a:endParaRPr lang="en-US" altLang="en-GB" sz="2400">
               <a:solidFill>
                 <a:schemeClr val="accent2"/>
               </a:solidFill>
@@ -24850,7 +24877,7 @@
         </p:nvSpPr>
         <p:spPr>
           <a:xfrm>
-            <a:off x="-189230" y="2165985"/>
+            <a:off x="-189230" y="2166620"/>
             <a:ext cx="4450715" cy="812165"/>
           </a:xfrm>
         </p:spPr>
@@ -24858,14 +24885,14 @@
           <a:bodyPr/>
           <a:p>
             <a:r>
-              <a:rPr lang="en-US">
+              <a:rPr lang="en-US" sz="2800">
                 <a:solidFill>
                   <a:schemeClr val="accent2"/>
                 </a:solidFill>
               </a:rPr>
-              <a:t>Register Page</a:t>
+              <a:t>User register Page</a:t>
             </a:r>
-            <a:endParaRPr lang="en-US">
+            <a:endParaRPr lang="en-US" sz="2800">
               <a:solidFill>
                 <a:schemeClr val="accent2"/>
               </a:solidFill>
@@ -24941,7 +24968,22 @@
                   <a:schemeClr val="accent2"/>
                 </a:solidFill>
               </a:rPr>
-              <a:t>User Dashboard</a:t>
+              <a:t>Dashboard of</a:t>
+            </a:r>
+            <a:br>
+              <a:rPr lang="en-US">
+                <a:solidFill>
+                  <a:schemeClr val="accent2"/>
+                </a:solidFill>
+              </a:rPr>
+            </a:br>
+            <a:r>
+              <a:rPr lang="en-US">
+                <a:solidFill>
+                  <a:schemeClr val="accent2"/>
+                </a:solidFill>
+              </a:rPr>
+              <a:t> User and Admin</a:t>
             </a:r>
             <a:endParaRPr lang="en-US">
               <a:solidFill>
@@ -24975,6 +25017,30 @@
           </a:prstGeom>
         </p:spPr>
       </p:pic>
+      <p:pic>
+        <p:nvPicPr>
+          <p:cNvPr id="4" name="Picture 3" descr="WhatsApp Image 2021-06-16 at 9.10.34 PM"/>
+          <p:cNvPicPr>
+            <a:picLocks noChangeAspect="1"/>
+          </p:cNvPicPr>
+          <p:nvPr/>
+        </p:nvPicPr>
+        <p:blipFill>
+          <a:blip r:embed="rId2"/>
+          <a:stretch>
+            <a:fillRect/>
+          </a:stretch>
+        </p:blipFill>
+        <p:spPr>
+          <a:xfrm>
+            <a:off x="6536055" y="46990"/>
+            <a:ext cx="2324100" cy="5038090"/>
+          </a:xfrm>
+          <a:prstGeom prst="rect">
+            <a:avLst/>
+          </a:prstGeom>
+        </p:spPr>
+      </p:pic>
     </p:spTree>
   </p:cSld>
   <p:clrMapOvr>
@@ -24987,6 +25053,309 @@
 </file>
 
 <file path=ppt/slides/slide15.xml><?xml version="1.0" encoding="utf-8"?>
+<p:sld xmlns:a="http://schemas.openxmlformats.org/drawingml/2006/main" xmlns:r="http://schemas.openxmlformats.org/officeDocument/2006/relationships" xmlns:p="http://schemas.openxmlformats.org/presentationml/2006/main">
+  <p:cSld>
+    <p:spTree>
+      <p:nvGrpSpPr>
+        <p:cNvPr id="1" name=""/>
+        <p:cNvGrpSpPr/>
+        <p:nvPr/>
+      </p:nvGrpSpPr>
+      <p:grpSpPr/>
+      <p:sp>
+        <p:nvSpPr>
+          <p:cNvPr id="2" name="Title 1"/>
+          <p:cNvSpPr/>
+          <p:nvPr>
+            <p:ph type="title"/>
+          </p:nvPr>
+        </p:nvSpPr>
+        <p:spPr>
+          <a:xfrm>
+            <a:off x="-142875" y="1931670"/>
+            <a:ext cx="4475480" cy="1280795"/>
+          </a:xfrm>
+        </p:spPr>
+        <p:txBody>
+          <a:bodyPr/>
+          <a:p>
+            <a:r>
+              <a:rPr lang="en-US" sz="2800">
+                <a:solidFill>
+                  <a:schemeClr val="accent2"/>
+                </a:solidFill>
+              </a:rPr>
+              <a:t>Add a Complaint </a:t>
+            </a:r>
+            <a:br>
+              <a:rPr lang="en-US" sz="2800">
+                <a:solidFill>
+                  <a:schemeClr val="accent2"/>
+                </a:solidFill>
+              </a:rPr>
+            </a:br>
+            <a:r>
+              <a:rPr lang="en-US" sz="2800">
+                <a:solidFill>
+                  <a:schemeClr val="accent2"/>
+                </a:solidFill>
+              </a:rPr>
+              <a:t>&amp; Types of Complaint</a:t>
+            </a:r>
+            <a:endParaRPr lang="en-US" sz="2800">
+              <a:solidFill>
+                <a:schemeClr val="accent2"/>
+              </a:solidFill>
+            </a:endParaRPr>
+          </a:p>
+        </p:txBody>
+      </p:sp>
+      <p:pic>
+        <p:nvPicPr>
+          <p:cNvPr id="3" name="Picture 2" descr="WhatsApp Image 2021-06-16 at 9.10.34 PM"/>
+          <p:cNvPicPr>
+            <a:picLocks noChangeAspect="1"/>
+          </p:cNvPicPr>
+          <p:nvPr/>
+        </p:nvPicPr>
+        <p:blipFill>
+          <a:blip r:embed="rId1"/>
+          <a:stretch>
+            <a:fillRect/>
+          </a:stretch>
+        </p:blipFill>
+        <p:spPr>
+          <a:xfrm>
+            <a:off x="6530975" y="35560"/>
+            <a:ext cx="2340610" cy="5072380"/>
+          </a:xfrm>
+          <a:prstGeom prst="rect">
+            <a:avLst/>
+          </a:prstGeom>
+        </p:spPr>
+      </p:pic>
+      <p:pic>
+        <p:nvPicPr>
+          <p:cNvPr id="4" name="Picture 3" descr="WhatsApp Image 2021-06-16 at 9.10.34 PM"/>
+          <p:cNvPicPr>
+            <a:picLocks noChangeAspect="1"/>
+          </p:cNvPicPr>
+          <p:nvPr/>
+        </p:nvPicPr>
+        <p:blipFill>
+          <a:blip r:embed="rId2"/>
+          <a:stretch>
+            <a:fillRect/>
+          </a:stretch>
+        </p:blipFill>
+        <p:spPr>
+          <a:xfrm>
+            <a:off x="4095115" y="35560"/>
+            <a:ext cx="2339975" cy="5072380"/>
+          </a:xfrm>
+          <a:prstGeom prst="rect">
+            <a:avLst/>
+          </a:prstGeom>
+        </p:spPr>
+      </p:pic>
+    </p:spTree>
+  </p:cSld>
+  <p:clrMapOvr>
+    <a:masterClrMapping/>
+  </p:clrMapOvr>
+</p:sld>
+</file>
+
+<file path=ppt/slides/slide16.xml><?xml version="1.0" encoding="utf-8"?>
+<p:sld xmlns:a="http://schemas.openxmlformats.org/drawingml/2006/main" xmlns:r="http://schemas.openxmlformats.org/officeDocument/2006/relationships" xmlns:p="http://schemas.openxmlformats.org/presentationml/2006/main">
+  <p:cSld>
+    <p:spTree>
+      <p:nvGrpSpPr>
+        <p:cNvPr id="1" name=""/>
+        <p:cNvGrpSpPr/>
+        <p:nvPr/>
+      </p:nvGrpSpPr>
+      <p:grpSpPr/>
+      <p:sp>
+        <p:nvSpPr>
+          <p:cNvPr id="2" name="Title 1"/>
+          <p:cNvSpPr/>
+          <p:nvPr>
+            <p:ph type="title"/>
+          </p:nvPr>
+        </p:nvSpPr>
+        <p:spPr>
+          <a:xfrm>
+            <a:off x="-501015" y="1739265"/>
+            <a:ext cx="4991100" cy="1664970"/>
+          </a:xfrm>
+        </p:spPr>
+        <p:txBody>
+          <a:bodyPr/>
+          <a:p>
+            <a:r>
+              <a:rPr lang="en-US" sz="3200">
+                <a:solidFill>
+                  <a:schemeClr val="accent2"/>
+                </a:solidFill>
+              </a:rPr>
+              <a:t>Verify Complaint</a:t>
+            </a:r>
+            <a:br>
+              <a:rPr lang="en-US" sz="3200">
+                <a:solidFill>
+                  <a:schemeClr val="accent2"/>
+                </a:solidFill>
+              </a:rPr>
+            </a:br>
+            <a:r>
+              <a:rPr lang="en-US" sz="3200">
+                <a:solidFill>
+                  <a:schemeClr val="accent2"/>
+                </a:solidFill>
+              </a:rPr>
+              <a:t>&amp; Search users</a:t>
+            </a:r>
+            <a:endParaRPr lang="en-US" sz="3200">
+              <a:solidFill>
+                <a:schemeClr val="accent2"/>
+              </a:solidFill>
+            </a:endParaRPr>
+          </a:p>
+        </p:txBody>
+      </p:sp>
+      <p:pic>
+        <p:nvPicPr>
+          <p:cNvPr id="3" name="Picture 2" descr="WhatsApp Image 2021-06-16 at 9.10.34 PM"/>
+          <p:cNvPicPr>
+            <a:picLocks noChangeAspect="1"/>
+          </p:cNvPicPr>
+          <p:nvPr/>
+        </p:nvPicPr>
+        <p:blipFill>
+          <a:blip r:embed="rId1"/>
+          <a:stretch>
+            <a:fillRect/>
+          </a:stretch>
+        </p:blipFill>
+        <p:spPr>
+          <a:xfrm>
+            <a:off x="4131310" y="66040"/>
+            <a:ext cx="2312035" cy="5011420"/>
+          </a:xfrm>
+          <a:prstGeom prst="rect">
+            <a:avLst/>
+          </a:prstGeom>
+        </p:spPr>
+      </p:pic>
+      <p:pic>
+        <p:nvPicPr>
+          <p:cNvPr id="4" name="Picture 3" descr="WhatsApp Image 2021-06-16 at 9.10.34 PM"/>
+          <p:cNvPicPr>
+            <a:picLocks noChangeAspect="1"/>
+          </p:cNvPicPr>
+          <p:nvPr/>
+        </p:nvPicPr>
+        <p:blipFill>
+          <a:blip r:embed="rId2"/>
+          <a:stretch>
+            <a:fillRect/>
+          </a:stretch>
+        </p:blipFill>
+        <p:spPr>
+          <a:xfrm>
+            <a:off x="6558915" y="65405"/>
+            <a:ext cx="2312670" cy="5012055"/>
+          </a:xfrm>
+          <a:prstGeom prst="rect">
+            <a:avLst/>
+          </a:prstGeom>
+        </p:spPr>
+      </p:pic>
+    </p:spTree>
+  </p:cSld>
+  <p:clrMapOvr>
+    <a:masterClrMapping/>
+  </p:clrMapOvr>
+</p:sld>
+</file>
+
+<file path=ppt/slides/slide17.xml><?xml version="1.0" encoding="utf-8"?>
+<p:sld xmlns:a="http://schemas.openxmlformats.org/drawingml/2006/main" xmlns:r="http://schemas.openxmlformats.org/officeDocument/2006/relationships" xmlns:p="http://schemas.openxmlformats.org/presentationml/2006/main">
+  <p:cSld>
+    <p:spTree>
+      <p:nvGrpSpPr>
+        <p:cNvPr id="1" name=""/>
+        <p:cNvGrpSpPr/>
+        <p:nvPr/>
+      </p:nvGrpSpPr>
+      <p:grpSpPr/>
+      <p:sp>
+        <p:nvSpPr>
+          <p:cNvPr id="2" name="Title 1"/>
+          <p:cNvSpPr/>
+          <p:nvPr>
+            <p:ph type="title"/>
+          </p:nvPr>
+        </p:nvSpPr>
+        <p:spPr>
+          <a:xfrm>
+            <a:off x="701435" y="13670"/>
+            <a:ext cx="7742400" cy="656400"/>
+          </a:xfrm>
+        </p:spPr>
+        <p:txBody>
+          <a:bodyPr/>
+          <a:p>
+            <a:r>
+              <a:rPr lang="en-US" sz="2800">
+                <a:solidFill>
+                  <a:schemeClr val="accent2"/>
+                </a:solidFill>
+              </a:rPr>
+              <a:t>Realtime Database of Complaints and Users</a:t>
+            </a:r>
+            <a:endParaRPr lang="en-US" sz="2800">
+              <a:solidFill>
+                <a:schemeClr val="accent2"/>
+              </a:solidFill>
+            </a:endParaRPr>
+          </a:p>
+        </p:txBody>
+      </p:sp>
+      <p:pic>
+        <p:nvPicPr>
+          <p:cNvPr id="4" name="Picture 3" descr="Screenshot 2021-06-17 at 8.40.17 PM"/>
+          <p:cNvPicPr>
+            <a:picLocks noChangeAspect="1"/>
+          </p:cNvPicPr>
+          <p:nvPr/>
+        </p:nvPicPr>
+        <p:blipFill>
+          <a:blip r:embed="rId1"/>
+          <a:stretch>
+            <a:fillRect/>
+          </a:stretch>
+        </p:blipFill>
+        <p:spPr>
+          <a:xfrm>
+            <a:off x="922655" y="480060"/>
+            <a:ext cx="7300595" cy="4563110"/>
+          </a:xfrm>
+          <a:prstGeom prst="rect">
+            <a:avLst/>
+          </a:prstGeom>
+        </p:spPr>
+      </p:pic>
+    </p:spTree>
+  </p:cSld>
+  <p:clrMapOvr>
+    <a:masterClrMapping/>
+  </p:clrMapOvr>
+</p:sld>
+</file>
+
+<file path=ppt/slides/slide18.xml><?xml version="1.0" encoding="utf-8"?>
 <p:sld xmlns:a="http://schemas.openxmlformats.org/drawingml/2006/main" xmlns:r="http://schemas.openxmlformats.org/officeDocument/2006/relationships" xmlns:p="http://schemas.openxmlformats.org/presentationml/2006/main">
   <p:cSld>
     <p:spTree>
@@ -25102,7 +25471,7 @@
 </p:sld>
 </file>
 
-<file path=ppt/slides/slide16.xml><?xml version="1.0" encoding="utf-8"?>
+<file path=ppt/slides/slide19.xml><?xml version="1.0" encoding="utf-8"?>
 <p:sld xmlns:a="http://schemas.openxmlformats.org/drawingml/2006/main" xmlns:r="http://schemas.openxmlformats.org/officeDocument/2006/relationships" xmlns:p="http://schemas.openxmlformats.org/presentationml/2006/main">
   <p:cSld>
     <p:spTree>
@@ -25195,90 +25564,6 @@
 </p:sld>
 </file>
 
-<file path=ppt/slides/slide17.xml><?xml version="1.0" encoding="utf-8"?>
-<p:sld xmlns:a="http://schemas.openxmlformats.org/drawingml/2006/main" xmlns:r="http://schemas.openxmlformats.org/officeDocument/2006/relationships" xmlns:p="http://schemas.openxmlformats.org/presentationml/2006/main">
-  <p:cSld>
-    <p:spTree>
-      <p:nvGrpSpPr>
-        <p:cNvPr id="221" name="Shape 221"/>
-        <p:cNvGrpSpPr/>
-        <p:nvPr/>
-      </p:nvGrpSpPr>
-      <p:grpSpPr>
-        <a:xfrm>
-          <a:off x="0" y="0"/>
-          <a:ext cx="0" cy="0"/>
-          <a:chOff x="0" y="0"/>
-          <a:chExt cx="0" cy="0"/>
-        </a:xfrm>
-      </p:grpSpPr>
-      <p:sp>
-        <p:nvSpPr>
-          <p:cNvPr id="224" name="Google Shape;224;p38"/>
-          <p:cNvSpPr txBox="1"/>
-          <p:nvPr>
-            <p:ph type="title" idx="2"/>
-          </p:nvPr>
-        </p:nvSpPr>
-        <p:spPr>
-          <a:xfrm>
-            <a:off x="1479550" y="2087245"/>
-            <a:ext cx="6184265" cy="969645"/>
-          </a:xfrm>
-          <a:prstGeom prst="rect">
-            <a:avLst/>
-          </a:prstGeom>
-        </p:spPr>
-        <p:txBody>
-          <a:bodyPr spcFirstLastPara="1" wrap="square" lIns="91425" tIns="91425" rIns="91425" bIns="91425" anchor="b" anchorCtr="0">
-            <a:noAutofit/>
-          </a:bodyPr>
-          <a:lstStyle/>
-          <a:p>
-            <a:pPr marL="0" lvl="0" indent="0" algn="ctr" rtl="0">
-              <a:spcBef>
-                <a:spcPts val="0"/>
-              </a:spcBef>
-              <a:spcAft>
-                <a:spcPts val="0"/>
-              </a:spcAft>
-              <a:buNone/>
-            </a:pPr>
-            <a:r>
-              <a:rPr lang="en-US" altLang="en-GB">
-                <a:solidFill>
-                  <a:schemeClr val="accent2"/>
-                </a:solidFill>
-              </a:rPr>
-              <a:t>Thank </a:t>
-            </a:r>
-            <a:r>
-              <a:rPr lang="en-US" altLang="en-GB">
-                <a:solidFill>
-                  <a:schemeClr val="tx1"/>
-                </a:solidFill>
-              </a:rPr>
-              <a:t>You</a:t>
-            </a:r>
-            <a:endParaRPr lang="en-US" altLang="en-GB">
-              <a:solidFill>
-                <a:schemeClr val="tx1"/>
-              </a:solidFill>
-            </a:endParaRPr>
-          </a:p>
-        </p:txBody>
-      </p:sp>
-    </p:spTree>
-  </p:cSld>
-  <p:clrMapOvr>
-    <a:masterClrMapping/>
-  </p:clrMapOvr>
-  <p:transition>
-    <p:fade/>
-  </p:transition>
-</p:sld>
-</file>
-
 <file path=ppt/slides/slide2.xml><?xml version="1.0" encoding="utf-8"?>
 <p:sld xmlns:a="http://schemas.openxmlformats.org/drawingml/2006/main" xmlns:r="http://schemas.openxmlformats.org/officeDocument/2006/relationships" xmlns:p="http://schemas.openxmlformats.org/presentationml/2006/main">
   <p:cSld>
@@ -25381,6 +25666,131 @@
               <a:solidFill>
                 <a:schemeClr val="accent2"/>
               </a:solidFill>
+            </a:endParaRPr>
+          </a:p>
+        </p:txBody>
+      </p:sp>
+    </p:spTree>
+  </p:cSld>
+  <p:clrMapOvr>
+    <a:masterClrMapping/>
+  </p:clrMapOvr>
+  <p:transition>
+    <p:fade/>
+  </p:transition>
+</p:sld>
+</file>
+
+<file path=ppt/slides/slide20.xml><?xml version="1.0" encoding="utf-8"?>
+<p:sld xmlns:a="http://schemas.openxmlformats.org/drawingml/2006/main" xmlns:r="http://schemas.openxmlformats.org/officeDocument/2006/relationships" xmlns:p="http://schemas.openxmlformats.org/presentationml/2006/main">
+  <p:cSld>
+    <p:spTree>
+      <p:nvGrpSpPr>
+        <p:cNvPr id="221" name="Shape 221"/>
+        <p:cNvGrpSpPr/>
+        <p:nvPr/>
+      </p:nvGrpSpPr>
+      <p:grpSpPr>
+        <a:xfrm>
+          <a:off x="0" y="0"/>
+          <a:ext cx="0" cy="0"/>
+          <a:chOff x="0" y="0"/>
+          <a:chExt cx="0" cy="0"/>
+        </a:xfrm>
+      </p:grpSpPr>
+      <p:sp>
+        <p:nvSpPr>
+          <p:cNvPr id="224" name="Google Shape;224;p38"/>
+          <p:cNvSpPr txBox="1"/>
+          <p:nvPr>
+            <p:ph type="title" idx="2"/>
+          </p:nvPr>
+        </p:nvSpPr>
+        <p:spPr>
+          <a:xfrm>
+            <a:off x="648970" y="2171065"/>
+            <a:ext cx="7846695" cy="969645"/>
+          </a:xfrm>
+          <a:prstGeom prst="rect">
+            <a:avLst/>
+          </a:prstGeom>
+        </p:spPr>
+        <p:txBody>
+          <a:bodyPr spcFirstLastPara="1" wrap="square" lIns="91425" tIns="91425" rIns="91425" bIns="91425" anchor="b" anchorCtr="0">
+            <a:noAutofit/>
+            <a:scene3d>
+              <a:camera prst="orthographicFront"/>
+              <a:lightRig rig="threePt" dir="t"/>
+            </a:scene3d>
+          </a:bodyPr>
+          <a:lstStyle/>
+          <a:p>
+            <a:pPr marL="0" lvl="0" indent="0" algn="ctr" rtl="0">
+              <a:spcBef>
+                <a:spcPts val="0"/>
+              </a:spcBef>
+              <a:spcAft>
+                <a:spcPts val="0"/>
+              </a:spcAft>
+              <a:buNone/>
+            </a:pPr>
+            <a:r>
+              <a:rPr lang="en-US" altLang="en-GB">
+                <a:ln w="12700">
+                  <a:solidFill>
+                    <a:schemeClr val="accent5"/>
+                  </a:solidFill>
+                  <a:prstDash val="solid"/>
+                </a:ln>
+                <a:solidFill>
+                  <a:schemeClr val="accent2"/>
+                </a:solidFill>
+                <a:effectLst/>
+              </a:rPr>
+              <a:t>Thank </a:t>
+            </a:r>
+            <a:r>
+              <a:rPr lang="en-US" altLang="en-GB">
+                <a:ln w="12700">
+                  <a:solidFill>
+                    <a:schemeClr val="accent5"/>
+                  </a:solidFill>
+                  <a:prstDash val="solid"/>
+                </a:ln>
+                <a:pattFill prst="ltDnDiag">
+                  <a:fgClr>
+                    <a:schemeClr val="accent5">
+                      <a:lumMod val="60000"/>
+                      <a:lumOff val="40000"/>
+                    </a:schemeClr>
+                  </a:fgClr>
+                  <a:bgClr>
+                    <a:schemeClr val="bg1"/>
+                  </a:bgClr>
+                </a:pattFill>
+                <a:effectLst/>
+              </a:rPr>
+              <a:t>You</a:t>
+            </a:r>
+            <a:endParaRPr lang="en-US" altLang="en-GB">
+              <a:ln w="12700">
+                <a:solidFill>
+                  <a:schemeClr val="accent5"/>
+                </a:solidFill>
+                <a:prstDash val="solid"/>
+              </a:ln>
+              <a:pattFill prst="ltDnDiag">
+                <a:fgClr>
+                  <a:schemeClr val="accent5">
+                    <a:lumMod val="60000"/>
+                    <a:lumOff val="40000"/>
+                  </a:schemeClr>
+                </a:fgClr>
+                <a:bgClr>
+                  <a:schemeClr val="bg1"/>
+                </a:bgClr>
+              </a:pattFill>
+              <a:effectLst/>
             </a:endParaRPr>
           </a:p>
         </p:txBody>
